--- a/docs/plans/2019 Plans.pptx
+++ b/docs/plans/2019 Plans.pptx
@@ -110,6 +110,11 @@
       </a:defRPr>
     </a:lvl9pPr>
   </p:defaultTextStyle>
+  <p:extLst>
+    <p:ext uri="{EFAFB233-063F-42B5-8137-9DF3F51BA10A}">
+      <p15:sldGuideLst xmlns:p15="http://schemas.microsoft.com/office/powerpoint/2012/main"/>
+    </p:ext>
+  </p:extLst>
 </p:presentation>
 </file>
 
@@ -3518,14 +3523,14 @@
             <a:pPr lvl="1"/>
             <a:r>
               <a:rPr lang="en-GB" dirty="0"/>
-              <a:t>Pooled or individual analysis for multiple risk analysis points/shapes (e.g. COMARE postcodes);</a:t>
+              <a:t>Pooled or individual analysis for multiple risk analysis points/shapes (e.g. COMARE coordinates);</a:t>
             </a:r>
           </a:p>
           <a:p>
             <a:pPr lvl="1"/>
             <a:r>
               <a:rPr lang="en-GB" dirty="0"/>
-              <a:t>Oracle interconnect support (RIF access to remove numerator data in Oracle)</a:t>
+              <a:t>Oracle interconnect support (RIF access to remote numerator data in Oracle)</a:t>
             </a:r>
           </a:p>
           <a:p>
@@ -3893,19 +3898,27 @@
           <a:p>
             <a:r>
               <a:rPr lang="en-GB" dirty="0"/>
-              <a:t> Manage table permissions (grant SELECT on table/view to role</a:t>
-            </a:r>
-          </a:p>
-          <a:p>
-            <a:r>
-              <a:rPr lang="en-GB" dirty="0"/>
-              <a:t> Add new roles, manage what users have what role;</a:t>
-            </a:r>
-          </a:p>
-          <a:p>
-            <a:r>
-              <a:rPr lang="en-GB" dirty="0"/>
-              <a:t> Display per user view of privileges;</a:t>
+              <a:t>Manage table/</a:t>
+            </a:r>
+            <a:r>
+              <a:rPr lang="en-GB" dirty="0" err="1"/>
+              <a:t>viewspermissions</a:t>
+            </a:r>
+            <a:r>
+              <a:rPr lang="en-GB" dirty="0"/>
+              <a:t> (grant SELECT on table/view to role);</a:t>
+            </a:r>
+          </a:p>
+          <a:p>
+            <a:r>
+              <a:rPr lang="en-GB" dirty="0"/>
+              <a:t>Add new roles, manage what users have what role;</a:t>
+            </a:r>
+          </a:p>
+          <a:p>
+            <a:r>
+              <a:rPr lang="en-GB" dirty="0"/>
+              <a:t>Display per user view of privileges;</a:t>
             </a:r>
           </a:p>
           <a:p>
@@ -3929,7 +3942,7 @@
           <a:p>
             <a:r>
               <a:rPr lang="en-GB" dirty="0"/>
-              <a:t>Create restricted views of tables</a:t>
+              <a:t>Create restricted views of tables.</a:t>
             </a:r>
           </a:p>
         </p:txBody>
@@ -4161,12 +4174,14 @@
         </p:nvSpPr>
         <p:spPr/>
         <p:txBody>
-          <a:bodyPr/>
-          <a:lstStyle/>
-          <a:p>
-            <a:r>
-              <a:rPr lang="en-GB" dirty="0"/>
-              <a:t>Multiple covariate support</a:t>
+          <a:bodyPr>
+            <a:normAutofit lnSpcReduction="10000"/>
+          </a:bodyPr>
+          <a:lstStyle/>
+          <a:p>
+            <a:r>
+              <a:rPr lang="en-GB" dirty="0"/>
+              <a:t>Multiple covariate support;</a:t>
             </a:r>
           </a:p>
           <a:p>
@@ -4234,7 +4249,19 @@
           <a:p>
             <a:r>
               <a:rPr lang="en-GB" dirty="0"/>
-              <a:t>R scalability: support for multiple R threads, remote R webservice pool. This will allow the RIF to run multiple studies at the same time and to scale to large multi user environments.</a:t>
+              <a:t>R scalability: support for multiple R threads, remote R webservice pool. This will allow the RIF to run multiple studies at the same time and to scale to large multi user environments;</a:t>
+            </a:r>
+          </a:p>
+          <a:p>
+            <a:r>
+              <a:rPr lang="en-GB" dirty="0"/>
+              <a:t>Support for Islands in adjacency matrices (select the nearest mainland area);</a:t>
+            </a:r>
+          </a:p>
+          <a:p>
+            <a:r>
+              <a:rPr lang="en-GB" dirty="0"/>
+              <a:t>Ability to set priors.</a:t>
             </a:r>
           </a:p>
         </p:txBody>
